--- a/Pytania 61-64.pptx
+++ b/Pytania 61-64.pptx
@@ -208,7 +208,7 @@
           <a:p>
             <a:fld id="{4B060B5D-7C52-4096-8CA0-4DF7835ED672}" type="datetimeFigureOut">
               <a:rPr lang="pl-PL" smtClean="0"/>
-              <a:t>14.11.2024</a:t>
+              <a:t>24.11.2024</a:t>
             </a:fld>
             <a:endParaRPr lang="pl-PL"/>
           </a:p>
@@ -607,7 +607,7 @@
           <a:p>
             <a:fld id="{CFAB7FB0-090A-44AC-BE3B-147CEDF56BBB}" type="datetimeFigureOut">
               <a:rPr lang="pl-PL" smtClean="0"/>
-              <a:t>14.11.2024</a:t>
+              <a:t>24.11.2024</a:t>
             </a:fld>
             <a:endParaRPr lang="pl-PL"/>
           </a:p>
@@ -777,7 +777,7 @@
           <a:p>
             <a:fld id="{CFAB7FB0-090A-44AC-BE3B-147CEDF56BBB}" type="datetimeFigureOut">
               <a:rPr lang="pl-PL" smtClean="0"/>
-              <a:t>14.11.2024</a:t>
+              <a:t>24.11.2024</a:t>
             </a:fld>
             <a:endParaRPr lang="pl-PL"/>
           </a:p>
@@ -957,7 +957,7 @@
           <a:p>
             <a:fld id="{CFAB7FB0-090A-44AC-BE3B-147CEDF56BBB}" type="datetimeFigureOut">
               <a:rPr lang="pl-PL" smtClean="0"/>
-              <a:t>14.11.2024</a:t>
+              <a:t>24.11.2024</a:t>
             </a:fld>
             <a:endParaRPr lang="pl-PL"/>
           </a:p>
@@ -1127,7 +1127,7 @@
           <a:p>
             <a:fld id="{CFAB7FB0-090A-44AC-BE3B-147CEDF56BBB}" type="datetimeFigureOut">
               <a:rPr lang="pl-PL" smtClean="0"/>
-              <a:t>14.11.2024</a:t>
+              <a:t>24.11.2024</a:t>
             </a:fld>
             <a:endParaRPr lang="pl-PL"/>
           </a:p>
@@ -1373,7 +1373,7 @@
           <a:p>
             <a:fld id="{CFAB7FB0-090A-44AC-BE3B-147CEDF56BBB}" type="datetimeFigureOut">
               <a:rPr lang="pl-PL" smtClean="0"/>
-              <a:t>14.11.2024</a:t>
+              <a:t>24.11.2024</a:t>
             </a:fld>
             <a:endParaRPr lang="pl-PL"/>
           </a:p>
@@ -1605,7 +1605,7 @@
           <a:p>
             <a:fld id="{CFAB7FB0-090A-44AC-BE3B-147CEDF56BBB}" type="datetimeFigureOut">
               <a:rPr lang="pl-PL" smtClean="0"/>
-              <a:t>14.11.2024</a:t>
+              <a:t>24.11.2024</a:t>
             </a:fld>
             <a:endParaRPr lang="pl-PL"/>
           </a:p>
@@ -1972,7 +1972,7 @@
           <a:p>
             <a:fld id="{CFAB7FB0-090A-44AC-BE3B-147CEDF56BBB}" type="datetimeFigureOut">
               <a:rPr lang="pl-PL" smtClean="0"/>
-              <a:t>14.11.2024</a:t>
+              <a:t>24.11.2024</a:t>
             </a:fld>
             <a:endParaRPr lang="pl-PL"/>
           </a:p>
@@ -2090,7 +2090,7 @@
           <a:p>
             <a:fld id="{CFAB7FB0-090A-44AC-BE3B-147CEDF56BBB}" type="datetimeFigureOut">
               <a:rPr lang="pl-PL" smtClean="0"/>
-              <a:t>14.11.2024</a:t>
+              <a:t>24.11.2024</a:t>
             </a:fld>
             <a:endParaRPr lang="pl-PL"/>
           </a:p>
@@ -2185,7 +2185,7 @@
           <a:p>
             <a:fld id="{CFAB7FB0-090A-44AC-BE3B-147CEDF56BBB}" type="datetimeFigureOut">
               <a:rPr lang="pl-PL" smtClean="0"/>
-              <a:t>14.11.2024</a:t>
+              <a:t>24.11.2024</a:t>
             </a:fld>
             <a:endParaRPr lang="pl-PL"/>
           </a:p>
@@ -2462,7 +2462,7 @@
           <a:p>
             <a:fld id="{CFAB7FB0-090A-44AC-BE3B-147CEDF56BBB}" type="datetimeFigureOut">
               <a:rPr lang="pl-PL" smtClean="0"/>
-              <a:t>14.11.2024</a:t>
+              <a:t>24.11.2024</a:t>
             </a:fld>
             <a:endParaRPr lang="pl-PL"/>
           </a:p>
@@ -2715,7 +2715,7 @@
           <a:p>
             <a:fld id="{CFAB7FB0-090A-44AC-BE3B-147CEDF56BBB}" type="datetimeFigureOut">
               <a:rPr lang="pl-PL" smtClean="0"/>
-              <a:t>14.11.2024</a:t>
+              <a:t>24.11.2024</a:t>
             </a:fld>
             <a:endParaRPr lang="pl-PL"/>
           </a:p>
@@ -2928,7 +2928,7 @@
           <a:p>
             <a:fld id="{CFAB7FB0-090A-44AC-BE3B-147CEDF56BBB}" type="datetimeFigureOut">
               <a:rPr lang="pl-PL" smtClean="0"/>
-              <a:t>14.11.2024</a:t>
+              <a:t>24.11.2024</a:t>
             </a:fld>
             <a:endParaRPr lang="pl-PL"/>
           </a:p>
@@ -4006,13 +4006,8 @@
             </a:pPr>
             <a:r>
               <a:rPr lang="pl-PL" dirty="0" smtClean="0"/>
-              <a:t>Można wyróżnić następujące metody </a:t>
-            </a:r>
-            <a:r>
-              <a:rPr lang="pl-PL" dirty="0" smtClean="0"/>
-              <a:t>uczenia sieci neuronowych:</a:t>
-            </a:r>
-            <a:endParaRPr lang="pl-PL" dirty="0" smtClean="0"/>
+              <a:t>Można wyróżnić następujące metody uczenia sieci neuronowych:</a:t>
+            </a:r>
           </a:p>
           <a:p>
             <a:r>
@@ -4408,8 +4403,16 @@
               <a:t>Chromosom</a:t>
             </a:r>
             <a:r>
+              <a:rPr lang="pl-PL" sz="2400" dirty="0"/>
+              <a:t> </a:t>
+            </a:r>
+            <a:r>
               <a:rPr lang="pl-PL" sz="2400" dirty="0" smtClean="0"/>
-              <a:t> to jest przedstawiony jako ciąg bitów. </a:t>
+              <a:t>jest </a:t>
+            </a:r>
+            <a:r>
+              <a:rPr lang="pl-PL" sz="2400" dirty="0" smtClean="0"/>
+              <a:t>przedstawiony jako ciąg bitów. </a:t>
             </a:r>
           </a:p>
           <a:p>

--- a/Pytania 61-64.pptx
+++ b/Pytania 61-64.pptx
@@ -126,6 +126,58 @@
 </p:presentation>
 </file>
 
+<file path=ppt/revisionInfo.xml><?xml version="1.0" encoding="utf-8"?>
+<p1510:revInfo xmlns:a="http://schemas.openxmlformats.org/drawingml/2006/main" xmlns:r="http://schemas.openxmlformats.org/officeDocument/2006/relationships" xmlns:p1510="http://schemas.microsoft.com/office/powerpoint/2015/10/main">
+  <p1510:revLst>
+    <p1510:client id="{085C7879-1701-E798-2177-8BA8BE2981D7}" v="37" dt="2024-11-25T08:22:13.475"/>
+  </p1510:revLst>
+</p1510:revInfo>
+</file>
+
+<file path=ppt/changesInfos/changesInfo1.xml><?xml version="1.0" encoding="utf-8"?>
+<pc:chgInfo xmlns:a="http://schemas.openxmlformats.org/drawingml/2006/main" xmlns:r="http://schemas.openxmlformats.org/officeDocument/2006/relationships" xmlns:ac="http://schemas.microsoft.com/office/drawing/2013/main/command" xmlns:pc="http://schemas.microsoft.com/office/powerpoint/2013/main/command">
+  <pc:docChgLst>
+    <pc:chgData name="Jakub Pisarski" userId="S::164419@student.uwm.edu.pl::29d4206c-29fd-48e8-b3a2-aa16968459a9" providerId="AD" clId="Web-{085C7879-1701-E798-2177-8BA8BE2981D7}"/>
+    <pc:docChg chg="modSld">
+      <pc:chgData name="Jakub Pisarski" userId="S::164419@student.uwm.edu.pl::29d4206c-29fd-48e8-b3a2-aa16968459a9" providerId="AD" clId="Web-{085C7879-1701-E798-2177-8BA8BE2981D7}" dt="2024-11-25T08:22:13.475" v="36" actId="20577"/>
+      <pc:docMkLst>
+        <pc:docMk/>
+      </pc:docMkLst>
+      <pc:sldChg chg="modSp">
+        <pc:chgData name="Jakub Pisarski" userId="S::164419@student.uwm.edu.pl::29d4206c-29fd-48e8-b3a2-aa16968459a9" providerId="AD" clId="Web-{085C7879-1701-E798-2177-8BA8BE2981D7}" dt="2024-11-25T08:22:13.475" v="36" actId="20577"/>
+        <pc:sldMkLst>
+          <pc:docMk/>
+          <pc:sldMk cId="2162531011" sldId="259"/>
+        </pc:sldMkLst>
+        <pc:spChg chg="mod">
+          <ac:chgData name="Jakub Pisarski" userId="S::164419@student.uwm.edu.pl::29d4206c-29fd-48e8-b3a2-aa16968459a9" providerId="AD" clId="Web-{085C7879-1701-E798-2177-8BA8BE2981D7}" dt="2024-11-25T08:22:13.475" v="36" actId="20577"/>
+          <ac:spMkLst>
+            <pc:docMk/>
+            <pc:sldMk cId="2162531011" sldId="259"/>
+            <ac:spMk id="3" creationId="{00000000-0000-0000-0000-000000000000}"/>
+          </ac:spMkLst>
+        </pc:spChg>
+      </pc:sldChg>
+      <pc:sldChg chg="modSp">
+        <pc:chgData name="Jakub Pisarski" userId="S::164419@student.uwm.edu.pl::29d4206c-29fd-48e8-b3a2-aa16968459a9" providerId="AD" clId="Web-{085C7879-1701-E798-2177-8BA8BE2981D7}" dt="2024-11-25T08:22:05.256" v="34" actId="20577"/>
+        <pc:sldMkLst>
+          <pc:docMk/>
+          <pc:sldMk cId="2186962281" sldId="264"/>
+        </pc:sldMkLst>
+        <pc:spChg chg="mod">
+          <ac:chgData name="Jakub Pisarski" userId="S::164419@student.uwm.edu.pl::29d4206c-29fd-48e8-b3a2-aa16968459a9" providerId="AD" clId="Web-{085C7879-1701-E798-2177-8BA8BE2981D7}" dt="2024-11-25T08:22:05.256" v="34" actId="20577"/>
+          <ac:spMkLst>
+            <pc:docMk/>
+            <pc:sldMk cId="2186962281" sldId="264"/>
+            <ac:spMk id="3" creationId="{00000000-0000-0000-0000-000000000000}"/>
+          </ac:spMkLst>
+        </pc:spChg>
+      </pc:sldChg>
+    </pc:docChg>
+  </pc:docChgLst>
+</pc:chgInfo>
+</file>
+
 <file path=ppt/notesMasters/notesMaster1.xml><?xml version="1.0" encoding="utf-8"?>
 <p:notesMaster xmlns:a="http://schemas.openxmlformats.org/drawingml/2006/main" xmlns:r="http://schemas.openxmlformats.org/officeDocument/2006/relationships" xmlns:p="http://schemas.openxmlformats.org/presentationml/2006/main">
   <p:cSld>
@@ -208,7 +260,7 @@
           <a:p>
             <a:fld id="{4B060B5D-7C52-4096-8CA0-4DF7835ED672}" type="datetimeFigureOut">
               <a:rPr lang="pl-PL" smtClean="0"/>
-              <a:t>24.11.2024</a:t>
+              <a:t>25.11.2024</a:t>
             </a:fld>
             <a:endParaRPr lang="pl-PL"/>
           </a:p>
@@ -272,38 +324,37 @@
           <a:p>
             <a:pPr lvl="0"/>
             <a:r>
-              <a:rPr lang="pl-PL" smtClean="0"/>
+              <a:rPr lang="pl-PL"/>
               <a:t>Edytuj style wzorca tekstu</a:t>
             </a:r>
           </a:p>
           <a:p>
             <a:pPr lvl="1"/>
             <a:r>
-              <a:rPr lang="pl-PL" smtClean="0"/>
+              <a:rPr lang="pl-PL"/>
               <a:t>Drugi poziom</a:t>
             </a:r>
           </a:p>
           <a:p>
             <a:pPr lvl="2"/>
             <a:r>
-              <a:rPr lang="pl-PL" smtClean="0"/>
+              <a:rPr lang="pl-PL"/>
               <a:t>Trzeci poziom</a:t>
             </a:r>
           </a:p>
           <a:p>
             <a:pPr lvl="3"/>
             <a:r>
-              <a:rPr lang="pl-PL" smtClean="0"/>
+              <a:rPr lang="pl-PL"/>
               <a:t>Czwarty poziom</a:t>
             </a:r>
           </a:p>
           <a:p>
             <a:pPr lvl="4"/>
             <a:r>
-              <a:rPr lang="pl-PL" smtClean="0"/>
+              <a:rPr lang="pl-PL"/>
               <a:t>Piąty poziom</a:t>
             </a:r>
-            <a:endParaRPr lang="pl-PL"/>
           </a:p>
         </p:txBody>
       </p:sp>
@@ -518,10 +569,9 @@
           </a:lstStyle>
           <a:p>
             <a:r>
-              <a:rPr lang="pl-PL" smtClean="0"/>
+              <a:rPr lang="pl-PL"/>
               <a:t>Kliknij, aby edytować styl</a:t>
             </a:r>
-            <a:endParaRPr lang="pl-PL"/>
           </a:p>
         </p:txBody>
       </p:sp>
@@ -583,10 +633,9 @@
           </a:lstStyle>
           <a:p>
             <a:r>
-              <a:rPr lang="pl-PL" smtClean="0"/>
+              <a:rPr lang="pl-PL"/>
               <a:t>Kliknij, aby edytować styl wzorca podtytułu</a:t>
             </a:r>
-            <a:endParaRPr lang="pl-PL"/>
           </a:p>
         </p:txBody>
       </p:sp>
@@ -607,7 +656,7 @@
           <a:p>
             <a:fld id="{CFAB7FB0-090A-44AC-BE3B-147CEDF56BBB}" type="datetimeFigureOut">
               <a:rPr lang="pl-PL" smtClean="0"/>
-              <a:t>24.11.2024</a:t>
+              <a:t>25.11.2024</a:t>
             </a:fld>
             <a:endParaRPr lang="pl-PL"/>
           </a:p>
@@ -701,10 +750,9 @@
           <a:lstStyle/>
           <a:p>
             <a:r>
-              <a:rPr lang="pl-PL" smtClean="0"/>
+              <a:rPr lang="pl-PL"/>
               <a:t>Kliknij, aby edytować styl</a:t>
             </a:r>
-            <a:endParaRPr lang="pl-PL"/>
           </a:p>
         </p:txBody>
       </p:sp>
@@ -725,38 +773,37 @@
           <a:p>
             <a:pPr lvl="0"/>
             <a:r>
-              <a:rPr lang="pl-PL" smtClean="0"/>
+              <a:rPr lang="pl-PL"/>
               <a:t>Edytuj style wzorca tekstu</a:t>
             </a:r>
           </a:p>
           <a:p>
             <a:pPr lvl="1"/>
             <a:r>
-              <a:rPr lang="pl-PL" smtClean="0"/>
+              <a:rPr lang="pl-PL"/>
               <a:t>Drugi poziom</a:t>
             </a:r>
           </a:p>
           <a:p>
             <a:pPr lvl="2"/>
             <a:r>
-              <a:rPr lang="pl-PL" smtClean="0"/>
+              <a:rPr lang="pl-PL"/>
               <a:t>Trzeci poziom</a:t>
             </a:r>
           </a:p>
           <a:p>
             <a:pPr lvl="3"/>
             <a:r>
-              <a:rPr lang="pl-PL" smtClean="0"/>
+              <a:rPr lang="pl-PL"/>
               <a:t>Czwarty poziom</a:t>
             </a:r>
           </a:p>
           <a:p>
             <a:pPr lvl="4"/>
             <a:r>
-              <a:rPr lang="pl-PL" smtClean="0"/>
+              <a:rPr lang="pl-PL"/>
               <a:t>Piąty poziom</a:t>
             </a:r>
-            <a:endParaRPr lang="pl-PL"/>
           </a:p>
         </p:txBody>
       </p:sp>
@@ -777,7 +824,7 @@
           <a:p>
             <a:fld id="{CFAB7FB0-090A-44AC-BE3B-147CEDF56BBB}" type="datetimeFigureOut">
               <a:rPr lang="pl-PL" smtClean="0"/>
-              <a:t>24.11.2024</a:t>
+              <a:t>25.11.2024</a:t>
             </a:fld>
             <a:endParaRPr lang="pl-PL"/>
           </a:p>
@@ -876,10 +923,9 @@
           <a:lstStyle/>
           <a:p>
             <a:r>
-              <a:rPr lang="pl-PL" smtClean="0"/>
+              <a:rPr lang="pl-PL"/>
               <a:t>Kliknij, aby edytować styl</a:t>
             </a:r>
-            <a:endParaRPr lang="pl-PL"/>
           </a:p>
         </p:txBody>
       </p:sp>
@@ -905,38 +951,37 @@
           <a:p>
             <a:pPr lvl="0"/>
             <a:r>
-              <a:rPr lang="pl-PL" smtClean="0"/>
+              <a:rPr lang="pl-PL"/>
               <a:t>Edytuj style wzorca tekstu</a:t>
             </a:r>
           </a:p>
           <a:p>
             <a:pPr lvl="1"/>
             <a:r>
-              <a:rPr lang="pl-PL" smtClean="0"/>
+              <a:rPr lang="pl-PL"/>
               <a:t>Drugi poziom</a:t>
             </a:r>
           </a:p>
           <a:p>
             <a:pPr lvl="2"/>
             <a:r>
-              <a:rPr lang="pl-PL" smtClean="0"/>
+              <a:rPr lang="pl-PL"/>
               <a:t>Trzeci poziom</a:t>
             </a:r>
           </a:p>
           <a:p>
             <a:pPr lvl="3"/>
             <a:r>
-              <a:rPr lang="pl-PL" smtClean="0"/>
+              <a:rPr lang="pl-PL"/>
               <a:t>Czwarty poziom</a:t>
             </a:r>
           </a:p>
           <a:p>
             <a:pPr lvl="4"/>
             <a:r>
-              <a:rPr lang="pl-PL" smtClean="0"/>
+              <a:rPr lang="pl-PL"/>
               <a:t>Piąty poziom</a:t>
             </a:r>
-            <a:endParaRPr lang="pl-PL"/>
           </a:p>
         </p:txBody>
       </p:sp>
@@ -957,7 +1002,7 @@
           <a:p>
             <a:fld id="{CFAB7FB0-090A-44AC-BE3B-147CEDF56BBB}" type="datetimeFigureOut">
               <a:rPr lang="pl-PL" smtClean="0"/>
-              <a:t>24.11.2024</a:t>
+              <a:t>25.11.2024</a:t>
             </a:fld>
             <a:endParaRPr lang="pl-PL"/>
           </a:p>
@@ -1051,10 +1096,9 @@
           <a:lstStyle/>
           <a:p>
             <a:r>
-              <a:rPr lang="pl-PL" smtClean="0"/>
+              <a:rPr lang="pl-PL"/>
               <a:t>Kliknij, aby edytować styl</a:t>
             </a:r>
-            <a:endParaRPr lang="pl-PL"/>
           </a:p>
         </p:txBody>
       </p:sp>
@@ -1075,38 +1119,37 @@
           <a:p>
             <a:pPr lvl="0"/>
             <a:r>
-              <a:rPr lang="pl-PL" smtClean="0"/>
+              <a:rPr lang="pl-PL"/>
               <a:t>Edytuj style wzorca tekstu</a:t>
             </a:r>
           </a:p>
           <a:p>
             <a:pPr lvl="1"/>
             <a:r>
-              <a:rPr lang="pl-PL" smtClean="0"/>
+              <a:rPr lang="pl-PL"/>
               <a:t>Drugi poziom</a:t>
             </a:r>
           </a:p>
           <a:p>
             <a:pPr lvl="2"/>
             <a:r>
-              <a:rPr lang="pl-PL" smtClean="0"/>
+              <a:rPr lang="pl-PL"/>
               <a:t>Trzeci poziom</a:t>
             </a:r>
           </a:p>
           <a:p>
             <a:pPr lvl="3"/>
             <a:r>
-              <a:rPr lang="pl-PL" smtClean="0"/>
+              <a:rPr lang="pl-PL"/>
               <a:t>Czwarty poziom</a:t>
             </a:r>
           </a:p>
           <a:p>
             <a:pPr lvl="4"/>
             <a:r>
-              <a:rPr lang="pl-PL" smtClean="0"/>
+              <a:rPr lang="pl-PL"/>
               <a:t>Piąty poziom</a:t>
             </a:r>
-            <a:endParaRPr lang="pl-PL"/>
           </a:p>
         </p:txBody>
       </p:sp>
@@ -1127,7 +1170,7 @@
           <a:p>
             <a:fld id="{CFAB7FB0-090A-44AC-BE3B-147CEDF56BBB}" type="datetimeFigureOut">
               <a:rPr lang="pl-PL" smtClean="0"/>
-              <a:t>24.11.2024</a:t>
+              <a:t>25.11.2024</a:t>
             </a:fld>
             <a:endParaRPr lang="pl-PL"/>
           </a:p>
@@ -1230,10 +1273,9 @@
           </a:lstStyle>
           <a:p>
             <a:r>
-              <a:rPr lang="pl-PL" smtClean="0"/>
+              <a:rPr lang="pl-PL"/>
               <a:t>Kliknij, aby edytować styl</a:t>
             </a:r>
-            <a:endParaRPr lang="pl-PL"/>
           </a:p>
         </p:txBody>
       </p:sp>
@@ -1350,7 +1392,7 @@
           <a:p>
             <a:pPr lvl="0"/>
             <a:r>
-              <a:rPr lang="pl-PL" smtClean="0"/>
+              <a:rPr lang="pl-PL"/>
               <a:t>Edytuj style wzorca tekstu</a:t>
             </a:r>
           </a:p>
@@ -1373,7 +1415,7 @@
           <a:p>
             <a:fld id="{CFAB7FB0-090A-44AC-BE3B-147CEDF56BBB}" type="datetimeFigureOut">
               <a:rPr lang="pl-PL" smtClean="0"/>
-              <a:t>24.11.2024</a:t>
+              <a:t>25.11.2024</a:t>
             </a:fld>
             <a:endParaRPr lang="pl-PL"/>
           </a:p>
@@ -1467,10 +1509,9 @@
           <a:lstStyle/>
           <a:p>
             <a:r>
-              <a:rPr lang="pl-PL" smtClean="0"/>
+              <a:rPr lang="pl-PL"/>
               <a:t>Kliknij, aby edytować styl</a:t>
             </a:r>
-            <a:endParaRPr lang="pl-PL"/>
           </a:p>
         </p:txBody>
       </p:sp>
@@ -1496,38 +1537,37 @@
           <a:p>
             <a:pPr lvl="0"/>
             <a:r>
-              <a:rPr lang="pl-PL" smtClean="0"/>
+              <a:rPr lang="pl-PL"/>
               <a:t>Edytuj style wzorca tekstu</a:t>
             </a:r>
           </a:p>
           <a:p>
             <a:pPr lvl="1"/>
             <a:r>
-              <a:rPr lang="pl-PL" smtClean="0"/>
+              <a:rPr lang="pl-PL"/>
               <a:t>Drugi poziom</a:t>
             </a:r>
           </a:p>
           <a:p>
             <a:pPr lvl="2"/>
             <a:r>
-              <a:rPr lang="pl-PL" smtClean="0"/>
+              <a:rPr lang="pl-PL"/>
               <a:t>Trzeci poziom</a:t>
             </a:r>
           </a:p>
           <a:p>
             <a:pPr lvl="3"/>
             <a:r>
-              <a:rPr lang="pl-PL" smtClean="0"/>
+              <a:rPr lang="pl-PL"/>
               <a:t>Czwarty poziom</a:t>
             </a:r>
           </a:p>
           <a:p>
             <a:pPr lvl="4"/>
             <a:r>
-              <a:rPr lang="pl-PL" smtClean="0"/>
+              <a:rPr lang="pl-PL"/>
               <a:t>Piąty poziom</a:t>
             </a:r>
-            <a:endParaRPr lang="pl-PL"/>
           </a:p>
         </p:txBody>
       </p:sp>
@@ -1553,38 +1593,37 @@
           <a:p>
             <a:pPr lvl="0"/>
             <a:r>
-              <a:rPr lang="pl-PL" smtClean="0"/>
+              <a:rPr lang="pl-PL"/>
               <a:t>Edytuj style wzorca tekstu</a:t>
             </a:r>
           </a:p>
           <a:p>
             <a:pPr lvl="1"/>
             <a:r>
-              <a:rPr lang="pl-PL" smtClean="0"/>
+              <a:rPr lang="pl-PL"/>
               <a:t>Drugi poziom</a:t>
             </a:r>
           </a:p>
           <a:p>
             <a:pPr lvl="2"/>
             <a:r>
-              <a:rPr lang="pl-PL" smtClean="0"/>
+              <a:rPr lang="pl-PL"/>
               <a:t>Trzeci poziom</a:t>
             </a:r>
           </a:p>
           <a:p>
             <a:pPr lvl="3"/>
             <a:r>
-              <a:rPr lang="pl-PL" smtClean="0"/>
+              <a:rPr lang="pl-PL"/>
               <a:t>Czwarty poziom</a:t>
             </a:r>
           </a:p>
           <a:p>
             <a:pPr lvl="4"/>
             <a:r>
-              <a:rPr lang="pl-PL" smtClean="0"/>
+              <a:rPr lang="pl-PL"/>
               <a:t>Piąty poziom</a:t>
             </a:r>
-            <a:endParaRPr lang="pl-PL"/>
           </a:p>
         </p:txBody>
       </p:sp>
@@ -1605,7 +1644,7 @@
           <a:p>
             <a:fld id="{CFAB7FB0-090A-44AC-BE3B-147CEDF56BBB}" type="datetimeFigureOut">
               <a:rPr lang="pl-PL" smtClean="0"/>
-              <a:t>24.11.2024</a:t>
+              <a:t>25.11.2024</a:t>
             </a:fld>
             <a:endParaRPr lang="pl-PL"/>
           </a:p>
@@ -1704,10 +1743,9 @@
           <a:lstStyle/>
           <a:p>
             <a:r>
-              <a:rPr lang="pl-PL" smtClean="0"/>
+              <a:rPr lang="pl-PL"/>
               <a:t>Kliknij, aby edytować styl</a:t>
             </a:r>
-            <a:endParaRPr lang="pl-PL"/>
           </a:p>
         </p:txBody>
       </p:sp>
@@ -1770,7 +1808,7 @@
           <a:p>
             <a:pPr lvl="0"/>
             <a:r>
-              <a:rPr lang="pl-PL" smtClean="0"/>
+              <a:rPr lang="pl-PL"/>
               <a:t>Edytuj style wzorca tekstu</a:t>
             </a:r>
           </a:p>
@@ -1798,38 +1836,37 @@
           <a:p>
             <a:pPr lvl="0"/>
             <a:r>
-              <a:rPr lang="pl-PL" smtClean="0"/>
+              <a:rPr lang="pl-PL"/>
               <a:t>Edytuj style wzorca tekstu</a:t>
             </a:r>
           </a:p>
           <a:p>
             <a:pPr lvl="1"/>
             <a:r>
-              <a:rPr lang="pl-PL" smtClean="0"/>
+              <a:rPr lang="pl-PL"/>
               <a:t>Drugi poziom</a:t>
             </a:r>
           </a:p>
           <a:p>
             <a:pPr lvl="2"/>
             <a:r>
-              <a:rPr lang="pl-PL" smtClean="0"/>
+              <a:rPr lang="pl-PL"/>
               <a:t>Trzeci poziom</a:t>
             </a:r>
           </a:p>
           <a:p>
             <a:pPr lvl="3"/>
             <a:r>
-              <a:rPr lang="pl-PL" smtClean="0"/>
+              <a:rPr lang="pl-PL"/>
               <a:t>Czwarty poziom</a:t>
             </a:r>
           </a:p>
           <a:p>
             <a:pPr lvl="4"/>
             <a:r>
-              <a:rPr lang="pl-PL" smtClean="0"/>
+              <a:rPr lang="pl-PL"/>
               <a:t>Piąty poziom</a:t>
             </a:r>
-            <a:endParaRPr lang="pl-PL"/>
           </a:p>
         </p:txBody>
       </p:sp>
@@ -1892,7 +1929,7 @@
           <a:p>
             <a:pPr lvl="0"/>
             <a:r>
-              <a:rPr lang="pl-PL" smtClean="0"/>
+              <a:rPr lang="pl-PL"/>
               <a:t>Edytuj style wzorca tekstu</a:t>
             </a:r>
           </a:p>
@@ -1920,38 +1957,37 @@
           <a:p>
             <a:pPr lvl="0"/>
             <a:r>
-              <a:rPr lang="pl-PL" smtClean="0"/>
+              <a:rPr lang="pl-PL"/>
               <a:t>Edytuj style wzorca tekstu</a:t>
             </a:r>
           </a:p>
           <a:p>
             <a:pPr lvl="1"/>
             <a:r>
-              <a:rPr lang="pl-PL" smtClean="0"/>
+              <a:rPr lang="pl-PL"/>
               <a:t>Drugi poziom</a:t>
             </a:r>
           </a:p>
           <a:p>
             <a:pPr lvl="2"/>
             <a:r>
-              <a:rPr lang="pl-PL" smtClean="0"/>
+              <a:rPr lang="pl-PL"/>
               <a:t>Trzeci poziom</a:t>
             </a:r>
           </a:p>
           <a:p>
             <a:pPr lvl="3"/>
             <a:r>
-              <a:rPr lang="pl-PL" smtClean="0"/>
+              <a:rPr lang="pl-PL"/>
               <a:t>Czwarty poziom</a:t>
             </a:r>
           </a:p>
           <a:p>
             <a:pPr lvl="4"/>
             <a:r>
-              <a:rPr lang="pl-PL" smtClean="0"/>
+              <a:rPr lang="pl-PL"/>
               <a:t>Piąty poziom</a:t>
             </a:r>
-            <a:endParaRPr lang="pl-PL"/>
           </a:p>
         </p:txBody>
       </p:sp>
@@ -1972,7 +2008,7 @@
           <a:p>
             <a:fld id="{CFAB7FB0-090A-44AC-BE3B-147CEDF56BBB}" type="datetimeFigureOut">
               <a:rPr lang="pl-PL" smtClean="0"/>
-              <a:t>24.11.2024</a:t>
+              <a:t>25.11.2024</a:t>
             </a:fld>
             <a:endParaRPr lang="pl-PL"/>
           </a:p>
@@ -2066,10 +2102,9 @@
           <a:lstStyle/>
           <a:p>
             <a:r>
-              <a:rPr lang="pl-PL" smtClean="0"/>
+              <a:rPr lang="pl-PL"/>
               <a:t>Kliknij, aby edytować styl</a:t>
             </a:r>
-            <a:endParaRPr lang="pl-PL"/>
           </a:p>
         </p:txBody>
       </p:sp>
@@ -2090,7 +2125,7 @@
           <a:p>
             <a:fld id="{CFAB7FB0-090A-44AC-BE3B-147CEDF56BBB}" type="datetimeFigureOut">
               <a:rPr lang="pl-PL" smtClean="0"/>
-              <a:t>24.11.2024</a:t>
+              <a:t>25.11.2024</a:t>
             </a:fld>
             <a:endParaRPr lang="pl-PL"/>
           </a:p>
@@ -2185,7 +2220,7 @@
           <a:p>
             <a:fld id="{CFAB7FB0-090A-44AC-BE3B-147CEDF56BBB}" type="datetimeFigureOut">
               <a:rPr lang="pl-PL" smtClean="0"/>
-              <a:t>24.11.2024</a:t>
+              <a:t>25.11.2024</a:t>
             </a:fld>
             <a:endParaRPr lang="pl-PL"/>
           </a:p>
@@ -2288,10 +2323,9 @@
           </a:lstStyle>
           <a:p>
             <a:r>
-              <a:rPr lang="pl-PL" smtClean="0"/>
+              <a:rPr lang="pl-PL"/>
               <a:t>Kliknij, aby edytować styl</a:t>
             </a:r>
-            <a:endParaRPr lang="pl-PL"/>
           </a:p>
         </p:txBody>
       </p:sp>
@@ -2345,38 +2379,37 @@
           <a:p>
             <a:pPr lvl="0"/>
             <a:r>
-              <a:rPr lang="pl-PL" smtClean="0"/>
+              <a:rPr lang="pl-PL"/>
               <a:t>Edytuj style wzorca tekstu</a:t>
             </a:r>
           </a:p>
           <a:p>
             <a:pPr lvl="1"/>
             <a:r>
-              <a:rPr lang="pl-PL" smtClean="0"/>
+              <a:rPr lang="pl-PL"/>
               <a:t>Drugi poziom</a:t>
             </a:r>
           </a:p>
           <a:p>
             <a:pPr lvl="2"/>
             <a:r>
-              <a:rPr lang="pl-PL" smtClean="0"/>
+              <a:rPr lang="pl-PL"/>
               <a:t>Trzeci poziom</a:t>
             </a:r>
           </a:p>
           <a:p>
             <a:pPr lvl="3"/>
             <a:r>
-              <a:rPr lang="pl-PL" smtClean="0"/>
+              <a:rPr lang="pl-PL"/>
               <a:t>Czwarty poziom</a:t>
             </a:r>
           </a:p>
           <a:p>
             <a:pPr lvl="4"/>
             <a:r>
-              <a:rPr lang="pl-PL" smtClean="0"/>
+              <a:rPr lang="pl-PL"/>
               <a:t>Piąty poziom</a:t>
             </a:r>
-            <a:endParaRPr lang="pl-PL"/>
           </a:p>
         </p:txBody>
       </p:sp>
@@ -2439,7 +2472,7 @@
           <a:p>
             <a:pPr lvl="0"/>
             <a:r>
-              <a:rPr lang="pl-PL" smtClean="0"/>
+              <a:rPr lang="pl-PL"/>
               <a:t>Edytuj style wzorca tekstu</a:t>
             </a:r>
           </a:p>
@@ -2462,7 +2495,7 @@
           <a:p>
             <a:fld id="{CFAB7FB0-090A-44AC-BE3B-147CEDF56BBB}" type="datetimeFigureOut">
               <a:rPr lang="pl-PL" smtClean="0"/>
-              <a:t>24.11.2024</a:t>
+              <a:t>25.11.2024</a:t>
             </a:fld>
             <a:endParaRPr lang="pl-PL"/>
           </a:p>
@@ -2565,10 +2598,9 @@
           </a:lstStyle>
           <a:p>
             <a:r>
-              <a:rPr lang="pl-PL" smtClean="0"/>
+              <a:rPr lang="pl-PL"/>
               <a:t>Kliknij, aby edytować styl</a:t>
             </a:r>
-            <a:endParaRPr lang="pl-PL"/>
           </a:p>
         </p:txBody>
       </p:sp>
@@ -2692,7 +2724,7 @@
           <a:p>
             <a:pPr lvl="0"/>
             <a:r>
-              <a:rPr lang="pl-PL" smtClean="0"/>
+              <a:rPr lang="pl-PL"/>
               <a:t>Edytuj style wzorca tekstu</a:t>
             </a:r>
           </a:p>
@@ -2715,7 +2747,7 @@
           <a:p>
             <a:fld id="{CFAB7FB0-090A-44AC-BE3B-147CEDF56BBB}" type="datetimeFigureOut">
               <a:rPr lang="pl-PL" smtClean="0"/>
-              <a:t>24.11.2024</a:t>
+              <a:t>25.11.2024</a:t>
             </a:fld>
             <a:endParaRPr lang="pl-PL"/>
           </a:p>
@@ -2824,10 +2856,9 @@
           <a:lstStyle/>
           <a:p>
             <a:r>
-              <a:rPr lang="pl-PL" smtClean="0"/>
+              <a:rPr lang="pl-PL"/>
               <a:t>Kliknij, aby edytować styl</a:t>
             </a:r>
-            <a:endParaRPr lang="pl-PL"/>
           </a:p>
         </p:txBody>
       </p:sp>
@@ -2858,38 +2889,37 @@
           <a:p>
             <a:pPr lvl="0"/>
             <a:r>
-              <a:rPr lang="pl-PL" smtClean="0"/>
+              <a:rPr lang="pl-PL"/>
               <a:t>Edytuj style wzorca tekstu</a:t>
             </a:r>
           </a:p>
           <a:p>
             <a:pPr lvl="1"/>
             <a:r>
-              <a:rPr lang="pl-PL" smtClean="0"/>
+              <a:rPr lang="pl-PL"/>
               <a:t>Drugi poziom</a:t>
             </a:r>
           </a:p>
           <a:p>
             <a:pPr lvl="2"/>
             <a:r>
-              <a:rPr lang="pl-PL" smtClean="0"/>
+              <a:rPr lang="pl-PL"/>
               <a:t>Trzeci poziom</a:t>
             </a:r>
           </a:p>
           <a:p>
             <a:pPr lvl="3"/>
             <a:r>
-              <a:rPr lang="pl-PL" smtClean="0"/>
+              <a:rPr lang="pl-PL"/>
               <a:t>Czwarty poziom</a:t>
             </a:r>
           </a:p>
           <a:p>
             <a:pPr lvl="4"/>
             <a:r>
-              <a:rPr lang="pl-PL" smtClean="0"/>
+              <a:rPr lang="pl-PL"/>
               <a:t>Piąty poziom</a:t>
             </a:r>
-            <a:endParaRPr lang="pl-PL"/>
           </a:p>
         </p:txBody>
       </p:sp>
@@ -2928,7 +2958,7 @@
           <a:p>
             <a:fld id="{CFAB7FB0-090A-44AC-BE3B-147CEDF56BBB}" type="datetimeFigureOut">
               <a:rPr lang="pl-PL" smtClean="0"/>
-              <a:t>24.11.2024</a:t>
+              <a:t>25.11.2024</a:t>
             </a:fld>
             <a:endParaRPr lang="pl-PL"/>
           </a:p>
@@ -3354,10 +3384,9 @@
           <a:lstStyle/>
           <a:p>
             <a:r>
-              <a:rPr lang="pl-PL" b="1" dirty="0" smtClean="0"/>
+              <a:rPr lang="pl-PL" b="1" dirty="0"/>
               <a:t>Pytania 61-64</a:t>
             </a:r>
-            <a:endParaRPr lang="pl-PL" b="1" dirty="0"/>
           </a:p>
         </p:txBody>
       </p:sp>
@@ -3371,13 +3400,6 @@
   <p:clrMapOvr>
     <a:masterClrMapping/>
   </p:clrMapOvr>
-  <p:timing>
-    <p:tnLst>
-      <p:par>
-        <p:cTn id="1" dur="indefinite" restart="never" nodeType="tmRoot"/>
-      </p:par>
-    </p:tnLst>
-  </p:timing>
 </p:sld>
 </file>
 
@@ -3417,14 +3439,13 @@
           <a:p>
             <a:pPr algn="ctr"/>
             <a:r>
-              <a:rPr lang="pl-PL" sz="4000" dirty="0" smtClean="0"/>
+              <a:rPr lang="pl-PL" sz="4000" dirty="0"/>
               <a:t>64. </a:t>
             </a:r>
             <a:r>
-              <a:rPr lang="pl-PL" sz="4000" b="1" dirty="0" smtClean="0"/>
+              <a:rPr lang="pl-PL" sz="4000" b="1" dirty="0"/>
               <a:t>Metody generacji reguł decyzyjnych</a:t>
             </a:r>
-            <a:endParaRPr lang="pl-PL" sz="4000" b="1" dirty="0"/>
           </a:p>
         </p:txBody>
       </p:sp>
@@ -3452,7 +3473,6 @@
               <a:rPr lang="pl-PL" dirty="0"/>
               <a:t>Reguły decyzyjne to sposób reprezentowania wiedzy, który jest wykorzystywany w uczeniu maszynowym i odkrywaniu wiedzy z danych. W skrócie, reguła to zdanie typu „Jeśli spełnione są te warunki, to podejmujemy tę decyzję”. </a:t>
             </a:r>
-            <a:endParaRPr lang="pl-PL" dirty="0" smtClean="0"/>
           </a:p>
           <a:p>
             <a:pPr marL="0" indent="0">
@@ -3462,7 +3482,6 @@
               <a:rPr lang="pl-PL" dirty="0"/>
               <a:t>Celem algorytmów, które generują reguły decyzyjne, jest stworzenie takiego zbioru reguł, które pozwolą na podejmowanie właściwych decyzji w oparciu o informacje, które mamy. Takie reguły są bardzo użyteczne, ponieważ mogą być łatwo interpretowane przez ludzi i stosowane do rozwiązywania różnych problemów.</a:t>
             </a:r>
-            <a:endParaRPr lang="pl-PL" dirty="0" smtClean="0"/>
           </a:p>
         </p:txBody>
       </p:sp>
@@ -3476,13 +3495,6 @@
   <p:clrMapOvr>
     <a:masterClrMapping/>
   </p:clrMapOvr>
-  <p:timing>
-    <p:tnLst>
-      <p:par>
-        <p:cTn id="1" dur="indefinite" restart="never" nodeType="tmRoot"/>
-      </p:par>
-    </p:tnLst>
-  </p:timing>
 </p:sld>
 </file>
 
@@ -3522,7 +3534,7 @@
           <a:p>
             <a:pPr algn="ctr"/>
             <a:r>
-              <a:rPr lang="pl-PL" sz="4000" dirty="0" smtClean="0"/>
+              <a:rPr lang="pl-PL" sz="4000" dirty="0"/>
               <a:t>64. </a:t>
             </a:r>
             <a:r>
@@ -3530,7 +3542,7 @@
               <a:t>Metody generacji reguł decyzyjnych</a:t>
             </a:r>
             <a:r>
-              <a:rPr lang="pl-PL" sz="4000" dirty="0" smtClean="0"/>
+              <a:rPr lang="pl-PL" sz="4000" dirty="0"/>
               <a:t> </a:t>
             </a:r>
             <a:endParaRPr lang="pl-PL" sz="4000" b="1" dirty="0"/>
@@ -3574,35 +3586,18 @@
               <a:rPr lang="pl-PL" dirty="0"/>
               <a:t>. Cały proces można opisać w kilku krokach:</a:t>
             </a:r>
-            <a:endParaRPr lang="pl-PL" dirty="0" smtClean="0"/>
           </a:p>
           <a:p>
             <a:pPr marL="514350" indent="-514350">
               <a:buAutoNum type="arabicPeriod"/>
             </a:pPr>
             <a:r>
-              <a:rPr lang="pl-PL" b="1" dirty="0" smtClean="0"/>
-              <a:t>Szukanie </a:t>
-            </a:r>
-            <a:r>
               <a:rPr lang="pl-PL" b="1" dirty="0"/>
-              <a:t>najlepszej reguły</a:t>
+              <a:t>Szukanie najlepszej reguły</a:t>
             </a:r>
             <a:r>
               <a:rPr lang="pl-PL" dirty="0"/>
-              <a:t> – algorytm stara się znaleźć regułę, która pokrywa jak najwięcej pozytywnych przykładów </a:t>
-            </a:r>
-            <a:r>
-              <a:rPr lang="pl-PL" dirty="0" smtClean="0"/>
-              <a:t>oraz </a:t>
-            </a:r>
-            <a:r>
-              <a:rPr lang="pl-PL" dirty="0"/>
-              <a:t>jak najmniej przykładów </a:t>
-            </a:r>
-            <a:r>
-              <a:rPr lang="pl-PL" dirty="0" smtClean="0"/>
-              <a:t>negatywnych.</a:t>
+              <a:t> – algorytm stara się znaleźć regułę, która pokrywa jak najwięcej pozytywnych przykładów oraz jak najmniej przykładów negatywnych.</a:t>
             </a:r>
           </a:p>
           <a:p>
@@ -3610,20 +3605,12 @@
               <a:buAutoNum type="arabicPeriod"/>
             </a:pPr>
             <a:r>
-              <a:rPr lang="pl-PL" b="1" dirty="0" smtClean="0"/>
-              <a:t>Zaznaczenie </a:t>
-            </a:r>
-            <a:r>
               <a:rPr lang="pl-PL" b="1" dirty="0"/>
-              <a:t>pokrytych przykładów</a:t>
+              <a:t>Zaznaczenie pokrytych przykładów</a:t>
             </a:r>
             <a:r>
               <a:rPr lang="pl-PL" dirty="0"/>
-              <a:t> – po znalezieniu dobrej reguły, przykłady, które zostały już "pokryte" przez tę regułę, są oznaczane jako użyte i nie będą już brane pod uwagę w kolejnych krokach</a:t>
-            </a:r>
-            <a:r>
-              <a:rPr lang="pl-PL" dirty="0" smtClean="0"/>
-              <a:t>.</a:t>
+              <a:t> – po znalezieniu dobrej reguły, przykłady, które zostały już "pokryte" przez tę regułę, są oznaczane jako użyte i nie będą już brane pod uwagę w kolejnych krokach.</a:t>
             </a:r>
           </a:p>
           <a:p>
@@ -3636,11 +3623,7 @@
             </a:r>
             <a:r>
               <a:rPr lang="pl-PL" dirty="0"/>
-              <a:t> – algorytm wraca do kroku pierwszego i szuka kolejnej reguły, która pokrywa jak najwięcej "niewykorzystanych" przykładów. Proces ten powtarza się aż do momentu, gdy wszystkie przykłady zostaną uwzględnione</a:t>
-            </a:r>
-            <a:r>
-              <a:rPr lang="pl-PL" dirty="0" smtClean="0"/>
-              <a:t>.</a:t>
+              <a:t> – algorytm wraca do kroku pierwszego i szuka kolejnej reguły, która pokrywa jak najwięcej "niewykorzystanych" przykładów. Proces ten powtarza się aż do momentu, gdy wszystkie przykłady zostaną uwzględnione.</a:t>
             </a:r>
           </a:p>
           <a:p>
@@ -3648,16 +3631,8 @@
               <a:buNone/>
             </a:pPr>
             <a:r>
-              <a:rPr lang="pl-PL" dirty="0" smtClean="0"/>
-              <a:t>W </a:t>
-            </a:r>
-            <a:r>
               <a:rPr lang="pl-PL" dirty="0"/>
-              <a:t>rezultacie powstaje zbiór reguł pokrywających rozważany zbiór przykładów. </a:t>
-            </a:r>
-            <a:r>
-              <a:rPr lang="pl-PL" dirty="0" smtClean="0"/>
-              <a:t>Przykłady algorytmów:</a:t>
+              <a:t>W rezultacie powstaje zbiór reguł pokrywających rozważany zbiór przykładów. Przykłady algorytmów:</a:t>
             </a:r>
           </a:p>
           <a:p>
@@ -3666,7 +3641,7 @@
               <a:buChar char="-"/>
             </a:pPr>
             <a:r>
-              <a:rPr lang="pl-PL" dirty="0" smtClean="0"/>
+              <a:rPr lang="pl-PL" dirty="0"/>
               <a:t>rodzina algorytmów AQ (AQ, AQ11, AQ15, AQ17) – jedne z najstarszych algorytmów</a:t>
             </a:r>
           </a:p>
@@ -3676,39 +3651,9 @@
               <a:buChar char="-"/>
             </a:pPr>
             <a:r>
-              <a:rPr lang="pl-PL" dirty="0" smtClean="0"/>
-              <a:t>CN2, Itrule</a:t>
-            </a:r>
-            <a:r>
               <a:rPr lang="pl-PL" dirty="0"/>
-              <a:t>, PRISM</a:t>
-            </a:r>
-            <a:r>
-              <a:rPr lang="pl-PL" dirty="0" smtClean="0"/>
-              <a:t>, RIPPER, </a:t>
-            </a:r>
-            <a:r>
-              <a:rPr lang="pl-PL" dirty="0"/>
-              <a:t>MODLEM, PVM, HCV, LEM2</a:t>
-            </a:r>
-            <a:r>
-              <a:rPr lang="pl-PL" dirty="0" smtClean="0"/>
-              <a:t>.</a:t>
-            </a:r>
-          </a:p>
-          <a:p>
-            <a:pPr>
-              <a:buFontTx/>
-              <a:buChar char="-"/>
-            </a:pPr>
-            <a:endParaRPr lang="pl-PL" dirty="0" smtClean="0"/>
-          </a:p>
-          <a:p>
-            <a:pPr>
-              <a:buFontTx/>
-              <a:buChar char="-"/>
-            </a:pPr>
-            <a:endParaRPr lang="pl-PL" dirty="0" smtClean="0"/>
+              <a:t>CN2, Itrule, PRISM, RIPPER, MODLEM, PVM, HCV, LEM2.</a:t>
+            </a:r>
           </a:p>
           <a:p>
             <a:pPr>
@@ -3722,7 +3667,21 @@
               <a:buFontTx/>
               <a:buChar char="-"/>
             </a:pPr>
-            <a:endParaRPr lang="pl-PL" dirty="0" smtClean="0"/>
+            <a:endParaRPr lang="pl-PL" dirty="0"/>
+          </a:p>
+          <a:p>
+            <a:pPr>
+              <a:buFontTx/>
+              <a:buChar char="-"/>
+            </a:pPr>
+            <a:endParaRPr lang="pl-PL" dirty="0"/>
+          </a:p>
+          <a:p>
+            <a:pPr>
+              <a:buFontTx/>
+              <a:buChar char="-"/>
+            </a:pPr>
+            <a:endParaRPr lang="pl-PL" dirty="0"/>
           </a:p>
         </p:txBody>
       </p:sp>
@@ -3736,13 +3695,6 @@
   <p:clrMapOvr>
     <a:masterClrMapping/>
   </p:clrMapOvr>
-  <p:timing>
-    <p:tnLst>
-      <p:par>
-        <p:cTn id="1" dur="indefinite" restart="never" nodeType="tmRoot"/>
-      </p:par>
-    </p:tnLst>
-  </p:timing>
 </p:sld>
 </file>
 
@@ -3836,7 +3788,7 @@
             <a:pPr marL="0" indent="0">
               <a:buNone/>
             </a:pPr>
-            <a:endParaRPr lang="pl-PL" dirty="0" smtClean="0"/>
+            <a:endParaRPr lang="pl-PL" dirty="0"/>
           </a:p>
           <a:p>
             <a:pPr marL="0" indent="0">
@@ -3848,7 +3800,7 @@
             <a:pPr marL="0" indent="0">
               <a:buNone/>
             </a:pPr>
-            <a:endParaRPr lang="pl-PL" dirty="0" smtClean="0"/>
+            <a:endParaRPr lang="pl-PL" dirty="0"/>
           </a:p>
           <a:p>
             <a:pPr marL="0" indent="0">
@@ -3860,7 +3812,7 @@
             <a:pPr marL="0" indent="0">
               <a:buNone/>
             </a:pPr>
-            <a:endParaRPr lang="pl-PL" dirty="0" smtClean="0"/>
+            <a:endParaRPr lang="pl-PL" dirty="0"/>
           </a:p>
           <a:p>
             <a:pPr marL="0" indent="0">
@@ -3873,26 +3825,16 @@
               <a:buNone/>
             </a:pPr>
             <a:r>
-              <a:rPr lang="pl-PL" dirty="0" smtClean="0"/>
-              <a:t>Link do przykładu działania algorytmu PRISM</a:t>
-            </a:r>
-            <a:r>
               <a:rPr lang="pl-PL" dirty="0"/>
-              <a:t>: </a:t>
+              <a:t>Link do przykładu działania algorytmu PRISM: </a:t>
             </a:r>
             <a:r>
               <a:rPr lang="pl-PL" dirty="0">
                 <a:hlinkClick r:id="rId3"/>
               </a:rPr>
-              <a:t>https://www.ii.pwr.edu.pl/~zieba/[W5_MIW].</a:t>
-            </a:r>
-            <a:r>
-              <a:rPr lang="pl-PL" dirty="0" smtClean="0">
-                <a:hlinkClick r:id="rId3"/>
-              </a:rPr>
-              <a:t>pdf</a:t>
-            </a:r>
-            <a:endParaRPr lang="pl-PL" dirty="0" smtClean="0"/>
+              <a:t>https://www.ii.pwr.edu.pl/~zieba/[W5_MIW].pdf</a:t>
+            </a:r>
+            <a:endParaRPr lang="pl-PL" dirty="0"/>
           </a:p>
           <a:p>
             <a:pPr marL="0" indent="0">
@@ -3975,14 +3917,13 @@
           <a:p>
             <a:pPr algn="ctr"/>
             <a:r>
-              <a:rPr lang="pl-PL" sz="4000" dirty="0" smtClean="0"/>
+              <a:rPr lang="pl-PL" sz="4000" dirty="0"/>
               <a:t>61. </a:t>
             </a:r>
             <a:r>
-              <a:rPr lang="pl-PL" sz="4000" b="1" dirty="0" smtClean="0"/>
+              <a:rPr lang="pl-PL" sz="4000" b="1" dirty="0"/>
               <a:t>Metody uczenia sieci neuronowych</a:t>
             </a:r>
-            <a:endParaRPr lang="pl-PL" sz="4000" b="1" dirty="0"/>
           </a:p>
         </p:txBody>
       </p:sp>
@@ -4005,30 +3946,29 @@
               <a:buNone/>
             </a:pPr>
             <a:r>
-              <a:rPr lang="pl-PL" dirty="0" smtClean="0"/>
+              <a:rPr lang="pl-PL" dirty="0"/>
               <a:t>Można wyróżnić następujące metody uczenia sieci neuronowych:</a:t>
             </a:r>
           </a:p>
           <a:p>
             <a:r>
-              <a:rPr lang="pl-PL" b="1" dirty="0" smtClean="0"/>
+              <a:rPr lang="pl-PL" b="1" dirty="0"/>
               <a:t>uczenie nadzorowane</a:t>
             </a:r>
           </a:p>
           <a:p>
             <a:r>
-              <a:rPr lang="pl-PL" dirty="0" smtClean="0"/>
+              <a:rPr lang="pl-PL" dirty="0"/>
               <a:t>oraz </a:t>
             </a:r>
             <a:r>
-              <a:rPr lang="pl-PL" b="1" dirty="0" smtClean="0"/>
+              <a:rPr lang="pl-PL" b="1" dirty="0"/>
               <a:t>uczenie nienadzorowane</a:t>
             </a:r>
             <a:r>
               <a:rPr lang="pl-PL" dirty="0"/>
               <a:t>.</a:t>
             </a:r>
-            <a:endParaRPr lang="pl-PL" dirty="0" smtClean="0"/>
           </a:p>
         </p:txBody>
       </p:sp>
@@ -4042,13 +3982,6 @@
   <p:clrMapOvr>
     <a:masterClrMapping/>
   </p:clrMapOvr>
-  <p:timing>
-    <p:tnLst>
-      <p:par>
-        <p:cTn id="1" dur="indefinite" restart="never" nodeType="tmRoot"/>
-      </p:par>
-    </p:tnLst>
-  </p:timing>
 </p:sld>
 </file>
 
@@ -4086,10 +4019,9 @@
           <a:p>
             <a:pPr algn="ctr"/>
             <a:r>
-              <a:rPr lang="pl-PL" b="1" dirty="0" smtClean="0"/>
+              <a:rPr lang="pl-PL" b="1" dirty="0"/>
               <a:t>Uczenie nadzorowane</a:t>
             </a:r>
-            <a:endParaRPr lang="pl-PL" b="1" dirty="0"/>
           </a:p>
         </p:txBody>
       </p:sp>
@@ -4112,39 +4044,39 @@
               <a:buNone/>
             </a:pPr>
             <a:r>
-              <a:rPr lang="pl-PL" b="1" dirty="0" smtClean="0"/>
+              <a:rPr lang="pl-PL" b="1" dirty="0"/>
               <a:t>Uczenie nadzorowane </a:t>
             </a:r>
             <a:r>
-              <a:rPr lang="pl-PL" dirty="0" smtClean="0"/>
+              <a:rPr lang="pl-PL" dirty="0"/>
               <a:t>polega na trenowaniu modelu na danych, gdzie dla każdego wejścia przydzielona jest odpowiednia etykieta. Celem jest nauczenie modelu przewidywania etykiety na podstawie danych wejściowych. Przykłady to:</a:t>
             </a:r>
           </a:p>
           <a:p>
             <a:r>
-              <a:rPr lang="pl-PL" dirty="0" smtClean="0"/>
+              <a:rPr lang="pl-PL" dirty="0"/>
               <a:t> </a:t>
             </a:r>
             <a:r>
-              <a:rPr lang="pl-PL" b="1" dirty="0" smtClean="0"/>
+              <a:rPr lang="pl-PL" b="1" dirty="0"/>
               <a:t>klasyfikacja</a:t>
             </a:r>
             <a:r>
-              <a:rPr lang="pl-PL" dirty="0" smtClean="0"/>
+              <a:rPr lang="pl-PL" dirty="0"/>
               <a:t> -  model przewiduje, do której klasy należy dany przykład (np. rozpoznawanie spamu w e-mailach),</a:t>
             </a:r>
           </a:p>
           <a:p>
             <a:r>
-              <a:rPr lang="pl-PL" dirty="0" smtClean="0"/>
+              <a:rPr lang="pl-PL" dirty="0"/>
               <a:t> </a:t>
             </a:r>
             <a:r>
-              <a:rPr lang="pl-PL" b="1" dirty="0" smtClean="0"/>
+              <a:rPr lang="pl-PL" b="1" dirty="0"/>
               <a:t>regresja</a:t>
             </a:r>
             <a:r>
-              <a:rPr lang="pl-PL" dirty="0" smtClean="0"/>
+              <a:rPr lang="pl-PL" dirty="0"/>
               <a:t> – model przewiduje wartość (np. przewidywanie cen mieszkań na podstawie ich cech).</a:t>
             </a:r>
           </a:p>
@@ -4160,13 +4092,6 @@
   <p:clrMapOvr>
     <a:masterClrMapping/>
   </p:clrMapOvr>
-  <p:timing>
-    <p:tnLst>
-      <p:par>
-        <p:cTn id="1" dur="indefinite" restart="never" nodeType="tmRoot"/>
-      </p:par>
-    </p:tnLst>
-  </p:timing>
 </p:sld>
 </file>
 
@@ -4204,10 +4129,9 @@
           <a:p>
             <a:pPr algn="ctr"/>
             <a:r>
-              <a:rPr lang="pl-PL" b="1" dirty="0" smtClean="0"/>
+              <a:rPr lang="pl-PL" b="1" dirty="0"/>
               <a:t>Uczenie nienadzorowane</a:t>
             </a:r>
-            <a:endParaRPr lang="pl-PL" b="1" dirty="0"/>
           </a:p>
         </p:txBody>
       </p:sp>
@@ -4235,57 +4159,12 @@
             </a:r>
             <a:r>
               <a:rPr lang="pl-PL" b="1" dirty="0"/>
-              <a:t>uczeniu </a:t>
-            </a:r>
-            <a:r>
-              <a:rPr lang="pl-PL" b="1" dirty="0" smtClean="0"/>
-              <a:t>nienadzorowanym </a:t>
-            </a:r>
-            <a:r>
-              <a:rPr lang="pl-PL" dirty="0" smtClean="0"/>
-              <a:t>dany </a:t>
+              <a:t>uczeniu nienadzorowanym </a:t>
             </a:r>
             <a:r>
               <a:rPr lang="pl-PL" dirty="0"/>
-              <a:t>jest zbiór przykładów uczących bez </a:t>
-            </a:r>
-            <a:r>
-              <a:rPr lang="pl-PL" dirty="0" smtClean="0"/>
-              <a:t>przydzielonych etykiet. </a:t>
-            </a:r>
-            <a:r>
-              <a:rPr lang="pl-PL" dirty="0"/>
-              <a:t>Na podstawie dużej liczby obiektów algorytmy uczenia nienadzorowanego mogą dokonać ich </a:t>
-            </a:r>
-            <a:r>
-              <a:rPr lang="pl-PL" dirty="0" smtClean="0"/>
-              <a:t>grupowania. Powstałe </a:t>
-            </a:r>
-            <a:r>
-              <a:rPr lang="pl-PL" dirty="0"/>
-              <a:t>w ten </a:t>
-            </a:r>
-            <a:r>
-              <a:rPr lang="pl-PL" dirty="0" smtClean="0"/>
-              <a:t>sposób </a:t>
-            </a:r>
-            <a:r>
-              <a:rPr lang="pl-PL" dirty="0"/>
-              <a:t>grupy noszą nazwę </a:t>
-            </a:r>
-            <a:r>
-              <a:rPr lang="pl-PL" dirty="0" smtClean="0"/>
-              <a:t>klastrów. Klastry </a:t>
-            </a:r>
-            <a:r>
-              <a:rPr lang="pl-PL" dirty="0"/>
-              <a:t>nie zapewniają jednak odpowiedzi, czym są obiekty się w nich znajdujące. Klastry odpowiadają jedynie na pytania, które obiekty są do siebie podobne na podstawie wskazanych atrybutów</a:t>
-            </a:r>
-            <a:r>
-              <a:rPr lang="pl-PL" dirty="0" smtClean="0"/>
-              <a:t>. Przykładem może być grupowanie klientów sklepów internetowych.</a:t>
-            </a:r>
-            <a:endParaRPr lang="pl-PL" dirty="0"/>
+              <a:t>dany jest zbiór przykładów uczących bez przydzielonych etykiet. Na podstawie dużej liczby obiektów algorytmy uczenia nienadzorowanego mogą dokonać ich grupowania. Powstałe w ten sposób grupy noszą nazwę klastrów. Klastry nie zapewniają jednak odpowiedzi, czym są obiekty się w nich znajdujące. Klastry odpowiadają jedynie na pytania, które obiekty są do siebie podobne na podstawie wskazanych atrybutów. Przykładem może być grupowanie klientów sklepów internetowych.</a:t>
+            </a:r>
           </a:p>
           <a:p>
             <a:endParaRPr lang="pl-PL" dirty="0"/>
@@ -4302,13 +4181,6 @@
   <p:clrMapOvr>
     <a:masterClrMapping/>
   </p:clrMapOvr>
-  <p:timing>
-    <p:tnLst>
-      <p:par>
-        <p:cTn id="1" dur="indefinite" restart="never" nodeType="tmRoot"/>
-      </p:par>
-    </p:tnLst>
-  </p:timing>
 </p:sld>
 </file>
 
@@ -4348,14 +4220,13 @@
           <a:p>
             <a:pPr algn="ctr"/>
             <a:r>
-              <a:rPr lang="pl-PL" sz="4000" dirty="0" smtClean="0"/>
+              <a:rPr lang="pl-PL" sz="4000" dirty="0"/>
               <a:t>62. </a:t>
             </a:r>
             <a:r>
-              <a:rPr lang="pl-PL" sz="4000" b="1" dirty="0" smtClean="0"/>
+              <a:rPr lang="pl-PL" sz="4000" b="1" dirty="0"/>
               <a:t>Mechanizm działania algorytmu genetycznego</a:t>
             </a:r>
-            <a:endParaRPr lang="pl-PL" sz="4000" b="1" dirty="0"/>
           </a:p>
         </p:txBody>
       </p:sp>
@@ -4385,13 +4256,44 @@
               <a:buNone/>
             </a:pPr>
             <a:r>
-              <a:rPr lang="pl-PL" sz="2400" b="1" dirty="0" smtClean="0"/>
+              <a:rPr lang="pl-PL" sz="2400" b="1" dirty="0"/>
               <a:t>Algorytmy genetyczne </a:t>
             </a:r>
             <a:r>
-              <a:rPr lang="pl-PL" sz="2400" dirty="0" smtClean="0"/>
+              <a:rPr lang="pl-PL" sz="2400" dirty="0"/>
               <a:t>zalicza się do algorytmów ewolucyjnych, czyli wzorowanych na biologicznej ewolucji. Działają na zasadzie selekcji, krzyżowania i mutacji, aby znaleźć optymalne rozwiązania problemów.</a:t>
             </a:r>
+          </a:p>
+          <a:p>
+            <a:pPr marL="0" indent="0">
+              <a:buNone/>
+            </a:pPr>
+            <a:r>
+              <a:rPr lang="pl-PL" sz="2400" b="1" dirty="0"/>
+              <a:t>Chromosom</a:t>
+            </a:r>
+            <a:r>
+              <a:rPr lang="pl-PL" sz="2400" dirty="0"/>
+              <a:t> jest przedstawiony jako ciąg bitów. </a:t>
+            </a:r>
+          </a:p>
+          <a:p>
+            <a:pPr marL="0" indent="0">
+              <a:buNone/>
+            </a:pPr>
+            <a:r>
+              <a:rPr lang="pl-PL" sz="2400" b="1" dirty="0"/>
+              <a:t>Operacja krzyżowania </a:t>
+            </a:r>
+            <a:r>
+              <a:rPr lang="pl-PL" sz="2400" dirty="0"/>
+              <a:t>polega na losowym przecięciu dwóch chromosomów w jednym punkcie i zamianie podzielonych części między chromosomami. Powstają dwa nowe chromosomy, które zastępują rodziców.</a:t>
+            </a:r>
+          </a:p>
+          <a:p>
+            <a:pPr marL="0" indent="0">
+              <a:buNone/>
+            </a:pPr>
             <a:endParaRPr lang="pl-PL" sz="2400" dirty="0"/>
           </a:p>
           <a:p>
@@ -4399,79 +4301,31 @@
               <a:buNone/>
             </a:pPr>
             <a:r>
-              <a:rPr lang="pl-PL" sz="2400" b="1" dirty="0" smtClean="0"/>
-              <a:t>Chromosom</a:t>
+              <a:rPr lang="pl-PL" sz="2400" b="1" dirty="0"/>
+              <a:t>Operacja mutacji </a:t>
             </a:r>
             <a:r>
               <a:rPr lang="pl-PL" sz="2400" dirty="0"/>
-              <a:t> </a:t>
-            </a:r>
-            <a:r>
-              <a:rPr lang="pl-PL" sz="2400" dirty="0" smtClean="0"/>
-              <a:t>jest </a:t>
-            </a:r>
-            <a:r>
-              <a:rPr lang="pl-PL" sz="2400" dirty="0" smtClean="0"/>
-              <a:t>przedstawiony jako ciąg bitów. </a:t>
+              <a:t>polega na zamianie na przeciwny losowego wybranego bitu.</a:t>
             </a:r>
           </a:p>
           <a:p>
             <a:pPr marL="0" indent="0">
               <a:buNone/>
             </a:pPr>
-            <a:r>
-              <a:rPr lang="pl-PL" sz="2400" b="1" dirty="0" smtClean="0"/>
-              <a:t>Operacja krzyżowania </a:t>
-            </a:r>
-            <a:r>
-              <a:rPr lang="pl-PL" sz="2400" dirty="0" smtClean="0"/>
-              <a:t>polega na losowym przecięciu dwóch chromosomów w jednym punkcie i zamianie podzielonych części między chromosomami. Powstają dwa nowe chromosomy, które zastępują rodziców.</a:t>
-            </a:r>
+            <a:endParaRPr lang="pl-PL" dirty="0"/>
           </a:p>
           <a:p>
             <a:pPr marL="0" indent="0">
               <a:buNone/>
             </a:pPr>
-            <a:endParaRPr lang="pl-PL" sz="2400" dirty="0" smtClean="0"/>
+            <a:endParaRPr lang="pl-PL" dirty="0"/>
           </a:p>
           <a:p>
             <a:pPr marL="0" indent="0">
               <a:buNone/>
             </a:pPr>
-            <a:r>
-              <a:rPr lang="pl-PL" sz="2400" b="1" dirty="0" smtClean="0"/>
-              <a:t>Operacja mutacji </a:t>
-            </a:r>
-            <a:r>
-              <a:rPr lang="pl-PL" sz="2400" dirty="0" smtClean="0"/>
-              <a:t>polega </a:t>
-            </a:r>
-            <a:r>
-              <a:rPr lang="pl-PL" sz="2400" dirty="0"/>
-              <a:t>na zamianie na </a:t>
-            </a:r>
-            <a:r>
-              <a:rPr lang="pl-PL" sz="2400" dirty="0" smtClean="0"/>
-              <a:t>przeciwny losowego wybranego bitu.</a:t>
-            </a:r>
-          </a:p>
-          <a:p>
-            <a:pPr marL="0" indent="0">
-              <a:buNone/>
-            </a:pPr>
-            <a:endParaRPr lang="pl-PL" dirty="0" smtClean="0"/>
-          </a:p>
-          <a:p>
-            <a:pPr marL="0" indent="0">
-              <a:buNone/>
-            </a:pPr>
-            <a:endParaRPr lang="pl-PL" dirty="0" smtClean="0"/>
-          </a:p>
-          <a:p>
-            <a:pPr marL="0" indent="0">
-              <a:buNone/>
-            </a:pPr>
-            <a:endParaRPr lang="pl-PL" dirty="0" smtClean="0"/>
+            <a:endParaRPr lang="pl-PL" dirty="0"/>
           </a:p>
           <a:p>
             <a:pPr marL="0" indent="0">
@@ -4545,13 +4399,6 @@
   <p:clrMapOvr>
     <a:masterClrMapping/>
   </p:clrMapOvr>
-  <p:timing>
-    <p:tnLst>
-      <p:par>
-        <p:cTn id="1" dur="indefinite" restart="never" nodeType="tmRoot"/>
-      </p:par>
-    </p:tnLst>
-  </p:timing>
 </p:sld>
 </file>
 
@@ -4591,14 +4438,13 @@
           <a:p>
             <a:pPr algn="ctr"/>
             <a:r>
-              <a:rPr lang="pl-PL" sz="4000" dirty="0" smtClean="0"/>
+              <a:rPr lang="pl-PL" sz="4000" dirty="0"/>
               <a:t>62. </a:t>
             </a:r>
             <a:r>
-              <a:rPr lang="pl-PL" sz="4000" b="1" dirty="0" smtClean="0"/>
+              <a:rPr lang="pl-PL" sz="4000" b="1" dirty="0"/>
               <a:t>Mechanizm działania algorytmu genetycznego</a:t>
             </a:r>
-            <a:endParaRPr lang="pl-PL" sz="4000" b="1" dirty="0"/>
           </a:p>
         </p:txBody>
       </p:sp>
@@ -4655,11 +4501,7 @@
             </a:r>
             <a:r>
               <a:rPr lang="pl-PL" dirty="0"/>
-              <a:t>). Najlepiej przystosowane osobniki biorą udział w procesie reprodukcji</a:t>
-            </a:r>
-            <a:r>
-              <a:rPr lang="pl-PL" dirty="0" smtClean="0"/>
-              <a:t>.</a:t>
+              <a:t>). Najlepiej przystosowane osobniki biorą udział w procesie reprodukcji.</a:t>
             </a:r>
           </a:p>
           <a:p>
@@ -4667,7 +4509,7 @@
               <a:buNone/>
             </a:pPr>
             <a:r>
-              <a:rPr lang="pl-PL" dirty="0" smtClean="0"/>
+              <a:rPr lang="pl-PL" dirty="0"/>
               <a:t>3. Wybrane osobniki są łączone w celu stworzenia nowych osobników. Proces ten polega na wymianie fragmentów chromosomów rodziców, co pozwala na łączenie cech.</a:t>
             </a:r>
           </a:p>
@@ -4676,28 +4518,16 @@
               <a:buNone/>
             </a:pPr>
             <a:r>
-              <a:rPr lang="pl-PL" dirty="0" smtClean="0"/>
-              <a:t>4. U niektórych osobników ma miejsce</a:t>
-            </a:r>
-            <a:r>
               <a:rPr lang="pl-PL" dirty="0"/>
-              <a:t> </a:t>
-            </a:r>
-            <a:r>
-              <a:rPr lang="pl-PL" b="1" dirty="0" smtClean="0"/>
+              <a:t>4. U niektórych osobników ma miejsce </a:t>
+            </a:r>
+            <a:r>
+              <a:rPr lang="pl-PL" b="1" dirty="0"/>
               <a:t>mutacja</a:t>
             </a:r>
             <a:r>
-              <a:rPr lang="pl-PL" dirty="0" smtClean="0"/>
-              <a:t>, </a:t>
-            </a:r>
-            <a:r>
               <a:rPr lang="pl-PL" dirty="0"/>
-              <a:t>czyli wprowadzenie drobnych losowych zmian</a:t>
-            </a:r>
-            <a:r>
-              <a:rPr lang="pl-PL" dirty="0" smtClean="0"/>
-              <a:t>.</a:t>
+              <a:t>, czyli wprowadzenie drobnych losowych zmian.</a:t>
             </a:r>
           </a:p>
           <a:p>
@@ -4705,15 +4535,15 @@
               <a:buNone/>
             </a:pPr>
             <a:r>
-              <a:rPr lang="pl-PL" dirty="0" smtClean="0"/>
+              <a:rPr lang="pl-PL" dirty="0"/>
               <a:t>5. Powstałe z </a:t>
             </a:r>
             <a:r>
-              <a:rPr lang="pl-PL" b="1" dirty="0" smtClean="0"/>
+              <a:rPr lang="pl-PL" b="1" dirty="0"/>
               <a:t>krzyżowania</a:t>
             </a:r>
             <a:r>
-              <a:rPr lang="pl-PL" dirty="0" smtClean="0"/>
+              <a:rPr lang="pl-PL" dirty="0"/>
               <a:t> i mutacji osobniki tworzą nową populację, która zastępuje starą.</a:t>
             </a:r>
           </a:p>
@@ -4722,20 +4552,8 @@
               <a:buNone/>
             </a:pPr>
             <a:r>
-              <a:rPr lang="pl-PL" dirty="0" smtClean="0"/>
-              <a:t>6. </a:t>
-            </a:r>
-            <a:r>
               <a:rPr lang="pl-PL" dirty="0"/>
-              <a:t>Jeżeli nie znaleziono dostatecznie dobrego rozwiązania, algorytm powraca do kroku drugiego. W przeciwnym wypadku wybieramy najlepszego osobnika z populacji </a:t>
-            </a:r>
-            <a:r>
-              <a:rPr lang="pl-PL" dirty="0" smtClean="0"/>
-              <a:t>– to </a:t>
-            </a:r>
-            <a:r>
-              <a:rPr lang="pl-PL" dirty="0"/>
-              <a:t>uzyskany wynik.</a:t>
+              <a:t>6. Jeżeli nie znaleziono dostatecznie dobrego rozwiązania, algorytm powraca do kroku drugiego. W przeciwnym wypadku wybieramy najlepszego osobnika z populacji – to uzyskany wynik.</a:t>
             </a:r>
           </a:p>
           <a:p>
@@ -4762,13 +4580,6 @@
   <p:clrMapOvr>
     <a:masterClrMapping/>
   </p:clrMapOvr>
-  <p:timing>
-    <p:tnLst>
-      <p:par>
-        <p:cTn id="1" dur="indefinite" restart="never" nodeType="tmRoot"/>
-      </p:par>
-    </p:tnLst>
-  </p:timing>
 </p:sld>
 </file>
 
@@ -4808,14 +4619,13 @@
           <a:p>
             <a:pPr algn="ctr"/>
             <a:r>
-              <a:rPr lang="pl-PL" sz="4000" dirty="0" smtClean="0"/>
+              <a:rPr lang="pl-PL" sz="4000" dirty="0"/>
               <a:t>63. </a:t>
             </a:r>
             <a:r>
-              <a:rPr lang="pl-PL" sz="4000" b="1" dirty="0" smtClean="0"/>
+              <a:rPr lang="pl-PL" sz="4000" b="1" dirty="0"/>
               <a:t>Definicja entropii informacji i wybrane zastosowanie tego pojęcia</a:t>
             </a:r>
-            <a:endParaRPr lang="pl-PL" sz="4000" b="1" dirty="0"/>
           </a:p>
         </p:txBody>
       </p:sp>
@@ -4836,7 +4646,7 @@
           </a:xfrm>
         </p:spPr>
         <p:txBody>
-          <a:bodyPr>
+          <a:bodyPr vert="horz" lIns="91440" tIns="45720" rIns="91440" bIns="45720" rtlCol="0" anchor="t">
             <a:normAutofit/>
           </a:bodyPr>
           <a:lstStyle/>
@@ -4845,11 +4655,11 @@
               <a:buNone/>
             </a:pPr>
             <a:r>
-              <a:rPr lang="pl-PL" b="1" dirty="0" smtClean="0"/>
+              <a:rPr lang="pl-PL" b="1" dirty="0"/>
               <a:t>Entropia</a:t>
             </a:r>
             <a:r>
-              <a:rPr lang="pl-PL" dirty="0" smtClean="0"/>
+              <a:rPr lang="pl-PL" dirty="0"/>
               <a:t> w ramach teorii informacji jest definiowana jako średnia ilość informacji przypadająca na pojedynczą wiadomość ze źródła informacji. </a:t>
             </a:r>
           </a:p>
@@ -4858,15 +4668,15 @@
               <a:buNone/>
             </a:pPr>
             <a:r>
-              <a:rPr lang="pl-PL" dirty="0" smtClean="0"/>
+              <a:rPr lang="pl-PL" dirty="0"/>
               <a:t>Matematycznie entropię oznaczaną jako </a:t>
             </a:r>
             <a:r>
-              <a:rPr lang="pl-PL" b="1" dirty="0" smtClean="0"/>
+              <a:rPr lang="pl-PL" b="1" dirty="0"/>
               <a:t>H</a:t>
             </a:r>
             <a:r>
-              <a:rPr lang="pl-PL" dirty="0" smtClean="0"/>
+              <a:rPr lang="pl-PL" dirty="0"/>
               <a:t> można zapisać jako:</a:t>
             </a:r>
           </a:p>
@@ -4880,44 +4690,60 @@
             <a:pPr marL="0" indent="0">
               <a:buNone/>
             </a:pPr>
-            <a:endParaRPr lang="pl-PL" dirty="0" smtClean="0"/>
+            <a:endParaRPr lang="pl-PL" dirty="0"/>
           </a:p>
           <a:p>
             <a:pPr marL="0" indent="0">
               <a:buNone/>
             </a:pPr>
-            <a:endParaRPr lang="pl-PL" dirty="0" smtClean="0"/>
+            <a:endParaRPr lang="pl-PL" dirty="0"/>
           </a:p>
           <a:p>
             <a:pPr marL="0" indent="0">
               <a:buNone/>
             </a:pPr>
             <a:r>
-              <a:rPr lang="pl-PL" dirty="0" smtClean="0"/>
+              <a:rPr lang="pl-PL" dirty="0"/>
               <a:t>Gdzie p</a:t>
             </a:r>
             <a:r>
-              <a:rPr lang="pl-PL" baseline="-25000" dirty="0" smtClean="0"/>
+              <a:rPr lang="pl-PL" baseline="-25000" dirty="0"/>
               <a:t>1</a:t>
             </a:r>
             <a:r>
-              <a:rPr lang="pl-PL" dirty="0" smtClean="0"/>
+              <a:rPr lang="pl-PL" dirty="0"/>
               <a:t>, …, p</a:t>
             </a:r>
             <a:r>
-              <a:rPr lang="pl-PL" baseline="-25000" dirty="0" smtClean="0"/>
+              <a:rPr lang="pl-PL" baseline="-25000" dirty="0"/>
               <a:t>n</a:t>
             </a:r>
             <a:r>
-              <a:rPr lang="pl-PL" dirty="0" smtClean="0"/>
-              <a:t>  są prawdopodobieństwami możliwych wyników przeprowadzonego eksperymentu. Przyjmujemy, że logarytm ma podstawę 2. Wtedy jednostką entropii jest bit.</a:t>
+              <a:rPr lang="pl-PL" dirty="0"/>
+              <a:t>  są prawdopodobieństwami możliwych wyników przeprowadzonego eksperymentu. </a:t>
+            </a:r>
+            <a:r>
+              <a:rPr lang="pl-PL" b="1" dirty="0"/>
+              <a:t>Przyjmujemy, że logarytm ma podstawę 2</a:t>
+            </a:r>
+            <a:r>
+              <a:rPr lang="pl-PL" dirty="0"/>
+              <a:t>. Wtedy jednostką entropii jest </a:t>
+            </a:r>
+            <a:r>
+              <a:rPr lang="pl-PL" b="1" dirty="0"/>
+              <a:t>bit</a:t>
+            </a:r>
+            <a:r>
+              <a:rPr lang="pl-PL" dirty="0"/>
+              <a:t>.</a:t>
             </a:r>
           </a:p>
           <a:p>
             <a:pPr marL="0" indent="0">
               <a:buNone/>
             </a:pPr>
-            <a:endParaRPr lang="pl-PL" dirty="0" smtClean="0"/>
+            <a:endParaRPr lang="pl-PL" dirty="0"/>
           </a:p>
           <a:p>
             <a:pPr marL="0" indent="0">
@@ -4961,13 +4787,6 @@
   <p:clrMapOvr>
     <a:masterClrMapping/>
   </p:clrMapOvr>
-  <p:timing>
-    <p:tnLst>
-      <p:par>
-        <p:cTn id="1" dur="indefinite" restart="never" nodeType="tmRoot"/>
-      </p:par>
-    </p:tnLst>
-  </p:timing>
 </p:sld>
 </file>
 
@@ -5007,14 +4826,13 @@
           <a:p>
             <a:pPr algn="ctr"/>
             <a:r>
-              <a:rPr lang="pl-PL" sz="4000" dirty="0" smtClean="0"/>
+              <a:rPr lang="pl-PL" sz="4000" dirty="0"/>
               <a:t>63. </a:t>
             </a:r>
             <a:r>
-              <a:rPr lang="pl-PL" sz="4000" b="1" dirty="0" smtClean="0"/>
+              <a:rPr lang="pl-PL" sz="4000" b="1" dirty="0"/>
               <a:t>Obliczanie entropii</a:t>
             </a:r>
-            <a:endParaRPr lang="pl-PL" sz="4000" b="1" dirty="0"/>
           </a:p>
         </p:txBody>
       </p:sp>
@@ -5030,32 +4848,34 @@
         </p:nvSpPr>
         <p:spPr/>
         <p:txBody>
-          <a:bodyPr/>
+          <a:bodyPr vert="horz" lIns="91440" tIns="45720" rIns="91440" bIns="45720" rtlCol="0" anchor="t">
+            <a:normAutofit/>
+          </a:bodyPr>
           <a:lstStyle/>
           <a:p>
             <a:pPr marL="0" indent="0">
               <a:buNone/>
             </a:pPr>
             <a:r>
-              <a:rPr lang="pl-PL" dirty="0" smtClean="0"/>
+              <a:rPr lang="pl-PL" dirty="0"/>
               <a:t>Korzystając ze wzoru na entropię, można wyciągnąć kilka wniosków.</a:t>
             </a:r>
           </a:p>
           <a:p>
             <a:r>
-              <a:rPr lang="pl-PL" dirty="0" smtClean="0"/>
+              <a:rPr lang="pl-PL" dirty="0"/>
               <a:t>Entropia jest zawsze nieujemna.</a:t>
             </a:r>
           </a:p>
           <a:p>
             <a:r>
-              <a:rPr lang="pl-PL" dirty="0" smtClean="0"/>
+              <a:rPr lang="pl-PL" dirty="0"/>
               <a:t>Gdy istnieje jedna możliwość, to entropia wynosi 0.</a:t>
             </a:r>
           </a:p>
           <a:p>
             <a:r>
-              <a:rPr lang="pl-PL" dirty="0" smtClean="0"/>
+              <a:rPr lang="pl-PL" dirty="0"/>
               <a:t>Entropia jest największa, gdy dla ustalonej liczby zdarzeń wszystkie są równoprawdopodobne. Wtedy entropia wynosi log(n).</a:t>
             </a:r>
           </a:p>
@@ -5064,7 +4884,7 @@
               <a:buNone/>
             </a:pPr>
             <a:r>
-              <a:rPr lang="pl-PL" dirty="0" smtClean="0"/>
+              <a:rPr lang="pl-PL" dirty="0"/>
               <a:t>Przykład: rzut uczciwą monetą</a:t>
             </a:r>
           </a:p>
@@ -5073,19 +4893,37 @@
               <a:buNone/>
             </a:pPr>
             <a:r>
-              <a:rPr lang="pl-PL" dirty="0" smtClean="0"/>
-              <a:t>H = ½ * log(2) + ½ * log(2) =  ½ + ½ = 1</a:t>
-            </a:r>
+              <a:rPr lang="pl-PL" dirty="0"/>
+              <a:t>H = ½ * log</a:t>
+            </a:r>
+            <a:r>
+              <a:rPr lang="pl-PL" baseline="-25000" dirty="0"/>
+              <a:t>2</a:t>
+            </a:r>
+            <a:r>
+              <a:rPr lang="pl-PL" dirty="0"/>
+              <a:t>(2) + ½ * log</a:t>
+            </a:r>
+            <a:r>
+              <a:rPr lang="pl-PL" baseline="-25000" dirty="0"/>
+              <a:t>2</a:t>
+            </a:r>
+            <a:r>
+              <a:rPr lang="pl-PL" dirty="0"/>
+              <a:t>(2) =  ½ + ½ = 1</a:t>
+            </a:r>
+            <a:endParaRPr lang="pl-PL" dirty="0">
+              <a:cs typeface="Calibri"/>
+            </a:endParaRPr>
           </a:p>
           <a:p>
             <a:pPr marL="0" indent="0">
               <a:buNone/>
             </a:pPr>
             <a:r>
-              <a:rPr lang="pl-PL" dirty="0" smtClean="0"/>
+              <a:rPr lang="pl-PL" dirty="0"/>
               <a:t>Uczciwa moneta ma 1 bit entropii na rzut.</a:t>
             </a:r>
-            <a:endParaRPr lang="pl-PL" dirty="0"/>
           </a:p>
         </p:txBody>
       </p:sp>
@@ -5099,13 +4937,6 @@
   <p:clrMapOvr>
     <a:masterClrMapping/>
   </p:clrMapOvr>
-  <p:timing>
-    <p:tnLst>
-      <p:par>
-        <p:cTn id="1" dur="indefinite" restart="never" nodeType="tmRoot"/>
-      </p:par>
-    </p:tnLst>
-  </p:timing>
 </p:sld>
 </file>
 
@@ -5145,14 +4976,13 @@
           <a:p>
             <a:pPr algn="ctr"/>
             <a:r>
-              <a:rPr lang="pl-PL" sz="4000" dirty="0" smtClean="0"/>
+              <a:rPr lang="pl-PL" sz="4000" dirty="0"/>
               <a:t>63. </a:t>
             </a:r>
             <a:r>
-              <a:rPr lang="pl-PL" sz="4000" b="1" dirty="0" smtClean="0"/>
+              <a:rPr lang="pl-PL" sz="4000" b="1" dirty="0"/>
               <a:t>Zastosowanie entropii</a:t>
             </a:r>
-            <a:endParaRPr lang="pl-PL" sz="4000" b="1" dirty="0"/>
           </a:p>
         </p:txBody>
       </p:sp>
@@ -5174,22 +5004,21 @@
           <a:lstStyle/>
           <a:p>
             <a:r>
-              <a:rPr lang="pl-PL" dirty="0" smtClean="0"/>
+              <a:rPr lang="pl-PL" dirty="0"/>
               <a:t>Entropia jest podstawą algorytmów kompresji, takich jak kodowanie Huffmana. Wyższa entropia wskazuje na bardziej złożone dane, które wymagają bardziej zaawansowanych technik kompresji.</a:t>
             </a:r>
           </a:p>
           <a:p>
             <a:r>
-              <a:rPr lang="pl-PL" dirty="0" smtClean="0"/>
+              <a:rPr lang="pl-PL" dirty="0"/>
               <a:t>Entropia jest wykorzystywana w algorytmach klasyfikacji, takich jak drzewa decyzyjne. W tych metodach oblicza się entropię, aby ocenić czystość podzbiorów danych. Dzięki temu można podejmować decyzje dotyczące podziału danych na podstawie ich atrybutów.</a:t>
             </a:r>
           </a:p>
           <a:p>
             <a:r>
-              <a:rPr lang="pl-PL" dirty="0" smtClean="0"/>
+              <a:rPr lang="pl-PL" dirty="0"/>
               <a:t>Entropia jest używana do oceny bezpieczeństwa haseł i kluczy kryptograficznych. Wyższa entropia wskazuje na bardziej losowe i trudniejsze do odgadnięcia hasła, co zwiększa poziom bezpieczeństwa.</a:t>
             </a:r>
-            <a:endParaRPr lang="pl-PL" dirty="0"/>
           </a:p>
         </p:txBody>
       </p:sp>
@@ -5203,13 +5032,6 @@
   <p:clrMapOvr>
     <a:masterClrMapping/>
   </p:clrMapOvr>
-  <p:timing>
-    <p:tnLst>
-      <p:par>
-        <p:cTn id="1" dur="indefinite" restart="never" nodeType="tmRoot"/>
-      </p:par>
-    </p:tnLst>
-  </p:timing>
 </p:sld>
 </file>
 
